--- a/network-basics/slides/11_NetworkBasics_2025_2P.pptx
+++ b/network-basics/slides/11_NetworkBasics_2025_2P.pptx
@@ -31164,15 +31164,9 @@
                 <a:solidFill>
                   <a:schemeClr val="tx1"/>
                 </a:solidFill>
-                <a:hlinkClick r:id="rId3">
-                  <a:extLst>
-                    <a:ext uri="{A12FA001-AC4F-418D-AE19-62706E023703}">
-                      <ahyp:hlinkClr xmlns:ahyp="http://schemas.microsoft.com/office/drawing/2018/hyperlinkcolor" val="tx"/>
-                    </a:ext>
-                  </a:extLst>
-                </a:hlinkClick>
+                <a:hlinkClick r:id="rId3"/>
               </a:rPr>
-              <a:t>Mariko Tagawa</a:t>
+              <a:t>Mariko Tagawa </a:t>
             </a:r>
             <a:r>
               <a:rPr lang="en-US" sz="1200" dirty="0">
@@ -31180,23 +31174,7 @@
                   <a:schemeClr val="tx1"/>
                 </a:solidFill>
               </a:rPr>
-              <a:t> (</a:t>
-            </a:r>
-            <a:r>
-              <a:rPr lang="en-US" sz="1200" dirty="0" err="1">
-                <a:solidFill>
-                  <a:schemeClr val="tx1"/>
-                </a:solidFill>
-              </a:rPr>
-              <a:t>marikotagawa@gmail.com</a:t>
-            </a:r>
-            <a:r>
-              <a:rPr lang="en-US" sz="1200" dirty="0">
-                <a:solidFill>
-                  <a:schemeClr val="tx1"/>
-                </a:solidFill>
-              </a:rPr>
-              <a:t>), JICA volunteer</a:t>
+              <a:t>, JICA volunteer</a:t>
             </a:r>
           </a:p>
         </p:txBody>
@@ -33175,7 +33153,7 @@
           </a:bodyPr>
           <a:lstStyle/>
           <a:p>
-            <a:pPr algn="l" fontAlgn="ctr"/>
+            <a:pPr fontAlgn="ctr"/>
             <a:r>
               <a:rPr lang="en-US" dirty="0">
                 <a:solidFill>
@@ -33184,7 +33162,7 @@
                 <a:latin typeface="+mn-lt"/>
                 <a:hlinkClick r:id="rId5"/>
               </a:rPr>
-              <a:t>https://forms.gle/b2w44tbFGuHuFgvn6</a:t>
+              <a:t>https://forms.gle/FpVQcedGLyUPrHx77</a:t>
             </a:r>
             <a:endParaRPr lang="en-US" dirty="0">
               <a:solidFill>
@@ -33194,7 +33172,7 @@
             </a:endParaRPr>
           </a:p>
           <a:p>
-            <a:pPr algn="l" fontAlgn="ctr"/>
+            <a:pPr fontAlgn="ctr"/>
             <a:endParaRPr lang="en-US" dirty="0">
               <a:solidFill>
                 <a:schemeClr val="tx1"/>
@@ -34038,7 +34016,7 @@
           </a:bodyPr>
           <a:lstStyle/>
           <a:p>
-            <a:pPr algn="l" fontAlgn="ctr"/>
+            <a:pPr fontAlgn="ctr"/>
             <a:r>
               <a:rPr lang="en-US" dirty="0">
                 <a:solidFill>
@@ -34047,7 +34025,7 @@
                 <a:latin typeface="+mn-lt"/>
                 <a:hlinkClick r:id="rId5"/>
               </a:rPr>
-              <a:t>https://forms.gle/b2w44tbFGuHuFgvn6</a:t>
+              <a:t>https://forms.gle/FpVQcedGLyUPrHx77</a:t>
             </a:r>
             <a:endParaRPr lang="en-US" dirty="0">
               <a:solidFill>
@@ -34057,7 +34035,7 @@
             </a:endParaRPr>
           </a:p>
           <a:p>
-            <a:pPr algn="l" fontAlgn="ctr"/>
+            <a:pPr fontAlgn="ctr"/>
             <a:endParaRPr lang="en-US" dirty="0">
               <a:solidFill>
                 <a:schemeClr val="tx1"/>
@@ -40372,16 +40350,8 @@
                 <a:latin typeface="+mn-lt"/>
                 <a:hlinkClick r:id="rId3"/>
               </a:rPr>
-              <a:t>https://forms.gle/RPkLPWJNH32g8P7b8</a:t>
-            </a:r>
-            <a:endParaRPr lang="en-US" sz="2000" dirty="0">
-              <a:solidFill>
-                <a:schemeClr val="tx1"/>
-              </a:solidFill>
-              <a:latin typeface="+mn-lt"/>
-            </a:endParaRPr>
-          </a:p>
-          <a:p>
+              <a:t>https://forms.gle/A9U7T571xChPi3dV7</a:t>
+            </a:r>
             <a:endParaRPr lang="en-US" sz="2000" dirty="0">
               <a:solidFill>
                 <a:schemeClr val="tx1"/>
